--- a/Slides/Class 01 - Introduction & Physics Skills.pptx
+++ b/Slides/Class 01 - Introduction & Physics Skills.pptx
@@ -5332,7 +5332,13 @@
           <p:nvPr/>
         </p:nvPicPr>
         <p:blipFill>
-          <a:blip r:embed="rId2"/>
+          <a:blip r:embed="rId2" cstate="screen">
+            <a:extLst>
+              <a:ext uri="{28A0092B-C50C-407E-A947-70E740481C1C}">
+                <a14:useLocalDpi xmlns:a14="http://schemas.microsoft.com/office/drawing/2010/main"/>
+              </a:ext>
+            </a:extLst>
+          </a:blip>
           <a:stretch>
             <a:fillRect/>
           </a:stretch>
@@ -5982,7 +5988,13 @@
           <p:nvPr/>
         </p:nvPicPr>
         <p:blipFill>
-          <a:blip r:embed="rId2"/>
+          <a:blip r:embed="rId2" cstate="screen">
+            <a:extLst>
+              <a:ext uri="{28A0092B-C50C-407E-A947-70E740481C1C}">
+                <a14:useLocalDpi xmlns:a14="http://schemas.microsoft.com/office/drawing/2010/main"/>
+              </a:ext>
+            </a:extLst>
+          </a:blip>
           <a:stretch>
             <a:fillRect/>
           </a:stretch>
@@ -6759,7 +6771,13 @@
           <p:nvPr/>
         </p:nvPicPr>
         <p:blipFill>
-          <a:blip r:embed="rId3"/>
+          <a:blip r:embed="rId3" cstate="screen">
+            <a:extLst>
+              <a:ext uri="{28A0092B-C50C-407E-A947-70E740481C1C}">
+                <a14:useLocalDpi xmlns:a14="http://schemas.microsoft.com/office/drawing/2010/main"/>
+              </a:ext>
+            </a:extLst>
+          </a:blip>
           <a:stretch>
             <a:fillRect/>
           </a:stretch>
@@ -6957,7 +6975,13 @@
           <p:nvPr/>
         </p:nvPicPr>
         <p:blipFill>
-          <a:blip r:embed="rId3"/>
+          <a:blip r:embed="rId3" cstate="screen">
+            <a:extLst>
+              <a:ext uri="{28A0092B-C50C-407E-A947-70E740481C1C}">
+                <a14:useLocalDpi xmlns:a14="http://schemas.microsoft.com/office/drawing/2010/main"/>
+              </a:ext>
+            </a:extLst>
+          </a:blip>
           <a:stretch>
             <a:fillRect/>
           </a:stretch>
@@ -7125,7 +7149,13 @@
           <p:nvPr/>
         </p:nvPicPr>
         <p:blipFill>
-          <a:blip r:embed="rId3"/>
+          <a:blip r:embed="rId3" cstate="screen">
+            <a:extLst>
+              <a:ext uri="{28A0092B-C50C-407E-A947-70E740481C1C}">
+                <a14:useLocalDpi xmlns:a14="http://schemas.microsoft.com/office/drawing/2010/main"/>
+              </a:ext>
+            </a:extLst>
+          </a:blip>
           <a:stretch>
             <a:fillRect/>
           </a:stretch>
@@ -7155,8 +7185,14 @@
           <p:nvPr/>
         </p:nvPicPr>
         <p:blipFill rotWithShape="1">
-          <a:blip r:embed="rId4"/>
-          <a:srcRect l="53182"/>
+          <a:blip r:embed="rId4" cstate="screen">
+            <a:extLst>
+              <a:ext uri="{28A0092B-C50C-407E-A947-70E740481C1C}">
+                <a14:useLocalDpi xmlns:a14="http://schemas.microsoft.com/office/drawing/2010/main"/>
+              </a:ext>
+            </a:extLst>
+          </a:blip>
+          <a:srcRect/>
           <a:stretch/>
         </p:blipFill>
         <p:spPr>
@@ -7184,8 +7220,14 @@
           <p:nvPr/>
         </p:nvPicPr>
         <p:blipFill rotWithShape="1">
-          <a:blip r:embed="rId4"/>
-          <a:srcRect r="52938"/>
+          <a:blip r:embed="rId5" cstate="screen">
+            <a:extLst>
+              <a:ext uri="{28A0092B-C50C-407E-A947-70E740481C1C}">
+                <a14:useLocalDpi xmlns:a14="http://schemas.microsoft.com/office/drawing/2010/main"/>
+              </a:ext>
+            </a:extLst>
+          </a:blip>
+          <a:srcRect/>
           <a:stretch/>
         </p:blipFill>
         <p:spPr>
@@ -7321,7 +7363,13 @@
           <p:nvPr/>
         </p:nvPicPr>
         <p:blipFill>
-          <a:blip r:embed="rId3"/>
+          <a:blip r:embed="rId3" cstate="screen">
+            <a:extLst>
+              <a:ext uri="{28A0092B-C50C-407E-A947-70E740481C1C}">
+                <a14:useLocalDpi xmlns:a14="http://schemas.microsoft.com/office/drawing/2010/main"/>
+              </a:ext>
+            </a:extLst>
+          </a:blip>
           <a:stretch>
             <a:fillRect/>
           </a:stretch>
@@ -7489,7 +7537,13 @@
           <p:nvPr/>
         </p:nvPicPr>
         <p:blipFill>
-          <a:blip r:embed="rId3"/>
+          <a:blip r:embed="rId3" cstate="screen">
+            <a:extLst>
+              <a:ext uri="{28A0092B-C50C-407E-A947-70E740481C1C}">
+                <a14:useLocalDpi xmlns:a14="http://schemas.microsoft.com/office/drawing/2010/main"/>
+              </a:ext>
+            </a:extLst>
+          </a:blip>
           <a:stretch>
             <a:fillRect/>
           </a:stretch>
@@ -7986,7 +8040,13 @@
           <p:nvPr/>
         </p:nvPicPr>
         <p:blipFill>
-          <a:blip r:embed="rId2"/>
+          <a:blip r:embed="rId2" cstate="screen">
+            <a:extLst>
+              <a:ext uri="{28A0092B-C50C-407E-A947-70E740481C1C}">
+                <a14:useLocalDpi xmlns:a14="http://schemas.microsoft.com/office/drawing/2010/main"/>
+              </a:ext>
+            </a:extLst>
+          </a:blip>
           <a:stretch>
             <a:fillRect/>
           </a:stretch>
@@ -12871,7 +12931,13 @@
           <p:nvPr/>
         </p:nvPicPr>
         <p:blipFill>
-          <a:blip r:embed="rId3"/>
+          <a:blip r:embed="rId3" cstate="screen">
+            <a:extLst>
+              <a:ext uri="{28A0092B-C50C-407E-A947-70E740481C1C}">
+                <a14:useLocalDpi xmlns:a14="http://schemas.microsoft.com/office/drawing/2010/main"/>
+              </a:ext>
+            </a:extLst>
+          </a:blip>
           <a:stretch>
             <a:fillRect/>
           </a:stretch>
@@ -12901,7 +12967,13 @@
           <p:nvPr/>
         </p:nvPicPr>
         <p:blipFill>
-          <a:blip r:embed="rId4"/>
+          <a:blip r:embed="rId4" cstate="screen">
+            <a:extLst>
+              <a:ext uri="{28A0092B-C50C-407E-A947-70E740481C1C}">
+                <a14:useLocalDpi xmlns:a14="http://schemas.microsoft.com/office/drawing/2010/main"/>
+              </a:ext>
+            </a:extLst>
+          </a:blip>
           <a:stretch>
             <a:fillRect/>
           </a:stretch>
